--- a/graficos_versao2.pptx
+++ b/graficos_versao2.pptx
@@ -5,7 +5,7 @@
     <p:sldMasterId id="2147483840" r:id="rId1"/>
   </p:sldMasterIdLst>
   <p:notesMasterIdLst>
-    <p:notesMasterId r:id="rId48"/>
+    <p:notesMasterId r:id="rId51"/>
   </p:notesMasterIdLst>
   <p:sldIdLst>
     <p:sldId id="256" r:id="rId2"/>
@@ -46,14 +46,17 @@
     <p:sldId id="292" r:id="rId37"/>
     <p:sldId id="293" r:id="rId38"/>
     <p:sldId id="294" r:id="rId39"/>
-    <p:sldId id="295" r:id="rId40"/>
+    <p:sldId id="303" r:id="rId40"/>
     <p:sldId id="296" r:id="rId41"/>
-    <p:sldId id="297" r:id="rId42"/>
-    <p:sldId id="298" r:id="rId43"/>
-    <p:sldId id="299" r:id="rId44"/>
-    <p:sldId id="300" r:id="rId45"/>
-    <p:sldId id="301" r:id="rId46"/>
-    <p:sldId id="302" r:id="rId47"/>
+    <p:sldId id="304" r:id="rId42"/>
+    <p:sldId id="295" r:id="rId43"/>
+    <p:sldId id="297" r:id="rId44"/>
+    <p:sldId id="298" r:id="rId45"/>
+    <p:sldId id="299" r:id="rId46"/>
+    <p:sldId id="300" r:id="rId47"/>
+    <p:sldId id="301" r:id="rId48"/>
+    <p:sldId id="302" r:id="rId49"/>
+    <p:sldId id="305" r:id="rId50"/>
   </p:sldIdLst>
   <p:sldSz cx="12192000" cy="6858000"/>
   <p:notesSz cx="6858000" cy="9144000"/>
@@ -242,7 +245,7 @@
           <a:p>
             <a:fld id="{9555EE47-61D7-44CE-ABCB-93AEAEE86C33}" type="datetimeFigureOut">
               <a:rPr lang="pt-BR" smtClean="0"/>
-              <a:t>22/08/2024</a:t>
+              <a:t>23/08/2024</a:t>
             </a:fld>
             <a:endParaRPr lang="pt-BR"/>
           </a:p>
@@ -574,7 +577,7 @@
           <a:p>
             <a:fld id="{DCC5EDF6-D540-4FFB-8E56-B7CAD68CF121}" type="slidenum">
               <a:rPr lang="pt-BR" smtClean="0"/>
-              <a:t>46</a:t>
+              <a:t>48</a:t>
             </a:fld>
             <a:endParaRPr lang="pt-BR"/>
           </a:p>
@@ -996,7 +999,7 @@
           <a:p>
             <a:fld id="{83284890-85D2-4D7B-8EF5-15A9C1DB8F42}" type="datetimeFigureOut">
               <a:rPr lang="en-US" dirty="0"/>
-              <a:t>8/22/2024</a:t>
+              <a:t>8/23/2024</a:t>
             </a:fld>
             <a:endParaRPr lang="en-US" dirty="0"/>
           </a:p>
@@ -1171,7 +1174,7 @@
           <a:p>
             <a:fld id="{87157CC2-0FC8-4686-B024-99790E0F5162}" type="datetimeFigureOut">
               <a:rPr lang="en-US" dirty="0"/>
-              <a:t>8/22/2024</a:t>
+              <a:t>8/23/2024</a:t>
             </a:fld>
             <a:endParaRPr lang="en-US" dirty="0"/>
           </a:p>
@@ -1346,7 +1349,7 @@
           <a:p>
             <a:fld id="{F6764DA5-CD3D-4590-A511-FCD3BC7A793E}" type="datetimeFigureOut">
               <a:rPr lang="en-US" dirty="0"/>
-              <a:t>8/22/2024</a:t>
+              <a:t>8/23/2024</a:t>
             </a:fld>
             <a:endParaRPr lang="en-US" dirty="0"/>
           </a:p>
@@ -1511,7 +1514,7 @@
           <a:p>
             <a:fld id="{82F5661D-6934-4B32-B92C-470368BF1EC6}" type="datetimeFigureOut">
               <a:rPr lang="en-US" dirty="0"/>
-              <a:t>8/22/2024</a:t>
+              <a:t>8/23/2024</a:t>
             </a:fld>
             <a:endParaRPr lang="en-US" dirty="0"/>
           </a:p>
@@ -1819,7 +1822,7 @@
           <a:p>
             <a:fld id="{C6F822A4-8DA6-4447-9B1F-C5DB58435268}" type="datetimeFigureOut">
               <a:rPr lang="en-US" dirty="0"/>
-              <a:t>8/22/2024</a:t>
+              <a:t>8/23/2024</a:t>
             </a:fld>
             <a:endParaRPr lang="en-US" dirty="0"/>
           </a:p>
@@ -2201,7 +2204,7 @@
           <a:p>
             <a:fld id="{E548D31E-DCDA-41A7-9C67-C4B11B94D21D}" type="datetimeFigureOut">
               <a:rPr lang="en-US" dirty="0"/>
-              <a:t>8/22/2024</a:t>
+              <a:t>8/23/2024</a:t>
             </a:fld>
             <a:endParaRPr lang="en-US" dirty="0"/>
           </a:p>
@@ -2630,7 +2633,7 @@
           <a:p>
             <a:fld id="{9B3762C0-B258-48F1-ADE6-176B4174CCDD}" type="datetimeFigureOut">
               <a:rPr lang="en-US" dirty="0"/>
-              <a:t>8/22/2024</a:t>
+              <a:t>8/23/2024</a:t>
             </a:fld>
             <a:endParaRPr lang="en-US" dirty="0"/>
           </a:p>
@@ -2743,7 +2746,7 @@
           <a:p>
             <a:fld id="{677919A6-33EB-49BD-A62F-1FA56B9F9712}" type="datetimeFigureOut">
               <a:rPr lang="en-US" dirty="0"/>
-              <a:t>8/22/2024</a:t>
+              <a:t>8/23/2024</a:t>
             </a:fld>
             <a:endParaRPr lang="en-US" dirty="0"/>
           </a:p>
@@ -2833,7 +2836,7 @@
           <a:p>
             <a:fld id="{CA4E7D1B-D673-4CF6-8672-009D42ABD2A0}" type="datetimeFigureOut">
               <a:rPr lang="en-US" dirty="0"/>
-              <a:t>8/22/2024</a:t>
+              <a:t>8/23/2024</a:t>
             </a:fld>
             <a:endParaRPr lang="en-US" dirty="0"/>
           </a:p>
@@ -3178,7 +3181,7 @@
           <a:p>
             <a:fld id="{DA16AA21-1863-4931-97CB-99D0A168701B}" type="datetimeFigureOut">
               <a:rPr lang="en-US" dirty="0"/>
-              <a:t>8/22/2024</a:t>
+              <a:t>8/23/2024</a:t>
             </a:fld>
             <a:endParaRPr lang="en-US" dirty="0"/>
           </a:p>
@@ -3598,7 +3601,7 @@
           <a:p>
             <a:fld id="{3772C379-9A7C-4C87-A116-CBE9F58B04C5}" type="datetimeFigureOut">
               <a:rPr lang="en-US" dirty="0"/>
-              <a:t>8/22/2024</a:t>
+              <a:t>8/23/2024</a:t>
             </a:fld>
             <a:endParaRPr lang="en-US" dirty="0"/>
           </a:p>
@@ -3874,7 +3877,7 @@
           <a:p>
             <a:fld id="{8664C608-40B1-4030-A28D-5B74BC98ADCE}" type="datetimeFigureOut">
               <a:rPr lang="en-US" dirty="0"/>
-              <a:t>8/22/2024</a:t>
+              <a:t>8/23/2024</a:t>
             </a:fld>
             <a:endParaRPr lang="en-US" dirty="0"/>
           </a:p>
@@ -5394,8 +5397,57 @@
         </p:nvSpPr>
         <p:spPr>
           <a:xfrm>
-            <a:off x="535257" y="3959604"/>
+            <a:off x="3553994" y="3895558"/>
             <a:ext cx="3122344" cy="1107346"/>
+          </a:xfrm>
+          <a:prstGeom prst="rect">
+            <a:avLst/>
+          </a:prstGeom>
+        </p:spPr>
+        <p:style>
+          <a:lnRef idx="2">
+            <a:schemeClr val="dk1">
+              <a:shade val="50000"/>
+            </a:schemeClr>
+          </a:lnRef>
+          <a:fillRef idx="1">
+            <a:schemeClr val="dk1"/>
+          </a:fillRef>
+          <a:effectRef idx="0">
+            <a:schemeClr val="dk1"/>
+          </a:effectRef>
+          <a:fontRef idx="minor">
+            <a:schemeClr val="lt1"/>
+          </a:fontRef>
+        </p:style>
+        <p:txBody>
+          <a:bodyPr rtlCol="0" anchor="ctr"/>
+          <a:lstStyle/>
+          <a:p>
+            <a:pPr algn="ctr"/>
+            <a:r>
+              <a:rPr lang="pt-BR" dirty="0"/>
+              <a:t>Operador de Micro (Alisson)</a:t>
+            </a:r>
+          </a:p>
+        </p:txBody>
+      </p:sp>
+      <p:sp>
+        <p:nvSpPr>
+          <p:cNvPr id="7" name="Retângulo 6">
+            <a:extLst>
+              <a:ext uri="{FF2B5EF4-FFF2-40B4-BE49-F238E27FC236}">
+                <a16:creationId xmlns:a16="http://schemas.microsoft.com/office/drawing/2014/main" id="{6B3C6F1F-8905-4E99-A257-D4EFD8DC8C42}"/>
+              </a:ext>
+            </a:extLst>
+          </p:cNvPr>
+          <p:cNvSpPr/>
+          <p:nvPr/>
+        </p:nvSpPr>
+        <p:spPr>
+          <a:xfrm>
+            <a:off x="7076835" y="3925619"/>
+            <a:ext cx="3308736" cy="1047225"/>
           </a:xfrm>
           <a:prstGeom prst="rect">
             <a:avLst/>
@@ -5424,17 +5476,25 @@
             <a:pPr algn="ctr"/>
             <a:r>
               <a:rPr lang="pt-BR" dirty="0"/>
-              <a:t>Operador de Micro (Alisson)</a:t>
-            </a:r>
-          </a:p>
-        </p:txBody>
-      </p:sp>
-      <p:sp>
-        <p:nvSpPr>
-          <p:cNvPr id="7" name="Retângulo 6">
-            <a:extLst>
-              <a:ext uri="{FF2B5EF4-FFF2-40B4-BE49-F238E27FC236}">
-                <a16:creationId xmlns:a16="http://schemas.microsoft.com/office/drawing/2014/main" id="{6B3C6F1F-8905-4E99-A257-D4EFD8DC8C42}"/>
+              <a:t>Lógica de Programação (</a:t>
+            </a:r>
+            <a:r>
+              <a:rPr lang="pt-BR" dirty="0" err="1"/>
+              <a:t>Karython</a:t>
+            </a:r>
+            <a:r>
+              <a:rPr lang="pt-BR" dirty="0"/>
+              <a:t>)</a:t>
+            </a:r>
+          </a:p>
+        </p:txBody>
+      </p:sp>
+      <p:sp>
+        <p:nvSpPr>
+          <p:cNvPr id="8" name="Retângulo 7">
+            <a:extLst>
+              <a:ext uri="{FF2B5EF4-FFF2-40B4-BE49-F238E27FC236}">
+                <a16:creationId xmlns:a16="http://schemas.microsoft.com/office/drawing/2014/main" id="{43FB5B25-1BDE-4DEA-9472-175B8C4F81B3}"/>
               </a:ext>
             </a:extLst>
           </p:cNvPr>
@@ -5443,8 +5503,8 @@
         </p:nvSpPr>
         <p:spPr>
           <a:xfrm>
-            <a:off x="7076835" y="3925619"/>
-            <a:ext cx="3308736" cy="1047225"/>
+            <a:off x="7076835" y="5192146"/>
+            <a:ext cx="3308736" cy="982231"/>
           </a:xfrm>
           <a:prstGeom prst="rect">
             <a:avLst/>
@@ -5473,11 +5533,62 @@
             <a:pPr algn="ctr"/>
             <a:r>
               <a:rPr lang="pt-BR" dirty="0"/>
-              <a:t>Lógica de Programação (</a:t>
+              <a:t>Operador (Luciano)</a:t>
+            </a:r>
+          </a:p>
+        </p:txBody>
+      </p:sp>
+      <p:sp>
+        <p:nvSpPr>
+          <p:cNvPr id="9" name="Retângulo 8">
+            <a:extLst>
+              <a:ext uri="{FF2B5EF4-FFF2-40B4-BE49-F238E27FC236}">
+                <a16:creationId xmlns:a16="http://schemas.microsoft.com/office/drawing/2014/main" id="{0752C3F4-A8B0-4A2B-8986-D61C85CF88DB}"/>
+              </a:ext>
+            </a:extLst>
+          </p:cNvPr>
+          <p:cNvSpPr/>
+          <p:nvPr/>
+        </p:nvSpPr>
+        <p:spPr>
+          <a:xfrm>
+            <a:off x="224307" y="5192146"/>
+            <a:ext cx="3122344" cy="1107346"/>
+          </a:xfrm>
+          <a:prstGeom prst="rect">
+            <a:avLst/>
+          </a:prstGeom>
+          <a:solidFill>
+            <a:srgbClr val="00B050"/>
+          </a:solidFill>
+          <a:ln/>
+        </p:spPr>
+        <p:style>
+          <a:lnRef idx="1">
+            <a:schemeClr val="dk1"/>
+          </a:lnRef>
+          <a:fillRef idx="2">
+            <a:schemeClr val="dk1"/>
+          </a:fillRef>
+          <a:effectRef idx="1">
+            <a:schemeClr val="dk1"/>
+          </a:effectRef>
+          <a:fontRef idx="minor">
+            <a:schemeClr val="dk1"/>
+          </a:fontRef>
+        </p:style>
+        <p:txBody>
+          <a:bodyPr rtlCol="0" anchor="ctr"/>
+          <a:lstStyle/>
+          <a:p>
+            <a:pPr algn="ctr"/>
+            <a:r>
+              <a:rPr lang="pt-BR" dirty="0"/>
+              <a:t>FRONT END (</a:t>
             </a:r>
             <a:r>
               <a:rPr lang="pt-BR" dirty="0" err="1"/>
-              <a:t>Karython</a:t>
+              <a:t>Mirka</a:t>
             </a:r>
             <a:r>
               <a:rPr lang="pt-BR" dirty="0"/>
@@ -5488,10 +5599,10 @@
       </p:sp>
       <p:sp>
         <p:nvSpPr>
-          <p:cNvPr id="8" name="Retângulo 7">
-            <a:extLst>
-              <a:ext uri="{FF2B5EF4-FFF2-40B4-BE49-F238E27FC236}">
-                <a16:creationId xmlns:a16="http://schemas.microsoft.com/office/drawing/2014/main" id="{43FB5B25-1BDE-4DEA-9472-175B8C4F81B3}"/>
+          <p:cNvPr id="10" name="Retângulo 9">
+            <a:extLst>
+              <a:ext uri="{FF2B5EF4-FFF2-40B4-BE49-F238E27FC236}">
+                <a16:creationId xmlns:a16="http://schemas.microsoft.com/office/drawing/2014/main" id="{91D457CE-C2CE-47E5-B86F-80B3ABD959B9}"/>
               </a:ext>
             </a:extLst>
           </p:cNvPr>
@@ -5500,24 +5611,22 @@
         </p:nvSpPr>
         <p:spPr>
           <a:xfrm>
-            <a:off x="535257" y="5592740"/>
-            <a:ext cx="3122344" cy="925077"/>
+            <a:off x="224307" y="3895558"/>
+            <a:ext cx="3122344" cy="1107346"/>
           </a:xfrm>
           <a:prstGeom prst="rect">
             <a:avLst/>
           </a:prstGeom>
         </p:spPr>
         <p:style>
-          <a:lnRef idx="2">
-            <a:schemeClr val="accent1">
-              <a:shade val="50000"/>
-            </a:schemeClr>
+          <a:lnRef idx="0">
+            <a:schemeClr val="accent2"/>
           </a:lnRef>
-          <a:fillRef idx="1">
-            <a:schemeClr val="accent1"/>
+          <a:fillRef idx="3">
+            <a:schemeClr val="accent2"/>
           </a:fillRef>
-          <a:effectRef idx="0">
-            <a:schemeClr val="accent1"/>
+          <a:effectRef idx="3">
+            <a:schemeClr val="accent2"/>
           </a:effectRef>
           <a:fontRef idx="minor">
             <a:schemeClr val="lt1"/>
@@ -5530,7 +5639,7 @@
             <a:pPr algn="ctr"/>
             <a:r>
               <a:rPr lang="pt-BR" dirty="0"/>
-              <a:t>Operador (Luciano)</a:t>
+              <a:t>Português (Luan)</a:t>
             </a:r>
           </a:p>
         </p:txBody>
@@ -9107,6 +9216,281 @@
           </a:p>
         </p:txBody>
       </p:sp>
+      <p:pic>
+        <p:nvPicPr>
+          <p:cNvPr id="7" name="Imagem 6">
+            <a:extLst>
+              <a:ext uri="{FF2B5EF4-FFF2-40B4-BE49-F238E27FC236}">
+                <a16:creationId xmlns:a16="http://schemas.microsoft.com/office/drawing/2014/main" id="{204AC63C-3010-408C-A59C-9331B59EC19C}"/>
+              </a:ext>
+            </a:extLst>
+          </p:cNvPr>
+          <p:cNvPicPr>
+            <a:picLocks noChangeAspect="1"/>
+          </p:cNvPicPr>
+          <p:nvPr/>
+        </p:nvPicPr>
+        <p:blipFill>
+          <a:blip r:embed="rId4"/>
+          <a:stretch>
+            <a:fillRect/>
+          </a:stretch>
+        </p:blipFill>
+        <p:spPr>
+          <a:xfrm>
+            <a:off x="7238592" y="2122415"/>
+            <a:ext cx="1805650" cy="741740"/>
+          </a:xfrm>
+          <a:prstGeom prst="rect">
+            <a:avLst/>
+          </a:prstGeom>
+        </p:spPr>
+      </p:pic>
+      <p:pic>
+        <p:nvPicPr>
+          <p:cNvPr id="10" name="Imagem 9">
+            <a:extLst>
+              <a:ext uri="{FF2B5EF4-FFF2-40B4-BE49-F238E27FC236}">
+                <a16:creationId xmlns:a16="http://schemas.microsoft.com/office/drawing/2014/main" id="{FFA06D0D-657E-41A3-8DC3-1A40D1993B7A}"/>
+              </a:ext>
+            </a:extLst>
+          </p:cNvPr>
+          <p:cNvPicPr>
+            <a:picLocks noChangeAspect="1"/>
+          </p:cNvPicPr>
+          <p:nvPr/>
+        </p:nvPicPr>
+        <p:blipFill>
+          <a:blip r:embed="rId5"/>
+          <a:stretch>
+            <a:fillRect/>
+          </a:stretch>
+        </p:blipFill>
+        <p:spPr>
+          <a:xfrm>
+            <a:off x="9280141" y="2059094"/>
+            <a:ext cx="1642325" cy="805061"/>
+          </a:xfrm>
+          <a:prstGeom prst="rect">
+            <a:avLst/>
+          </a:prstGeom>
+        </p:spPr>
+      </p:pic>
+      <p:sp>
+        <p:nvSpPr>
+          <p:cNvPr id="13" name="CaixaDeTexto 12">
+            <a:extLst>
+              <a:ext uri="{FF2B5EF4-FFF2-40B4-BE49-F238E27FC236}">
+                <a16:creationId xmlns:a16="http://schemas.microsoft.com/office/drawing/2014/main" id="{C11A73C1-D928-4E8E-8D91-636C5B592DDE}"/>
+              </a:ext>
+            </a:extLst>
+          </p:cNvPr>
+          <p:cNvSpPr txBox="1"/>
+          <p:nvPr/>
+        </p:nvSpPr>
+        <p:spPr>
+          <a:xfrm>
+            <a:off x="348343" y="339634"/>
+            <a:ext cx="6803786" cy="369332"/>
+          </a:xfrm>
+          <a:prstGeom prst="rect">
+            <a:avLst/>
+          </a:prstGeom>
+          <a:noFill/>
+        </p:spPr>
+        <p:txBody>
+          <a:bodyPr wrap="none" rtlCol="0">
+            <a:spAutoFit/>
+          </a:bodyPr>
+          <a:lstStyle/>
+          <a:p>
+            <a:r>
+              <a:rPr lang="pt-BR" dirty="0"/>
+              <a:t>Entregar para o professor (</a:t>
+            </a:r>
+            <a:r>
+              <a:rPr lang="pt-BR" b="1" i="1" dirty="0"/>
+              <a:t>gráfico de barra </a:t>
+            </a:r>
+            <a:r>
+              <a:rPr lang="pt-BR" dirty="0"/>
+              <a:t>de estilo </a:t>
+            </a:r>
+            <a:r>
+              <a:rPr lang="pt-BR" dirty="0" err="1"/>
+              <a:t>músical</a:t>
+            </a:r>
+            <a:r>
+              <a:rPr lang="pt-BR" dirty="0"/>
+              <a:t>)</a:t>
+            </a:r>
+          </a:p>
+        </p:txBody>
+      </p:sp>
+      <p:sp>
+        <p:nvSpPr>
+          <p:cNvPr id="14" name="CaixaDeTexto 13">
+            <a:extLst>
+              <a:ext uri="{FF2B5EF4-FFF2-40B4-BE49-F238E27FC236}">
+                <a16:creationId xmlns:a16="http://schemas.microsoft.com/office/drawing/2014/main" id="{C663D621-B331-4A3A-AD9C-C9A9FDEA3F3C}"/>
+              </a:ext>
+            </a:extLst>
+          </p:cNvPr>
+          <p:cNvSpPr txBox="1"/>
+          <p:nvPr/>
+        </p:nvSpPr>
+        <p:spPr>
+          <a:xfrm>
+            <a:off x="348343" y="117229"/>
+            <a:ext cx="1441420" cy="369332"/>
+          </a:xfrm>
+          <a:prstGeom prst="rect">
+            <a:avLst/>
+          </a:prstGeom>
+          <a:noFill/>
+        </p:spPr>
+        <p:txBody>
+          <a:bodyPr wrap="none" rtlCol="0">
+            <a:spAutoFit/>
+          </a:bodyPr>
+          <a:lstStyle/>
+          <a:p>
+            <a:r>
+              <a:rPr lang="pt-BR" dirty="0">
+                <a:solidFill>
+                  <a:srgbClr val="FF0000"/>
+                </a:solidFill>
+              </a:rPr>
+              <a:t>ENTREGA 1</a:t>
+            </a:r>
+          </a:p>
+        </p:txBody>
+      </p:sp>
+      <p:sp>
+        <p:nvSpPr>
+          <p:cNvPr id="18" name="CaixaDeTexto 17">
+            <a:extLst>
+              <a:ext uri="{FF2B5EF4-FFF2-40B4-BE49-F238E27FC236}">
+                <a16:creationId xmlns:a16="http://schemas.microsoft.com/office/drawing/2014/main" id="{F129A33F-40A2-41D0-95DF-7393447C31E2}"/>
+              </a:ext>
+            </a:extLst>
+          </p:cNvPr>
+          <p:cNvSpPr txBox="1"/>
+          <p:nvPr/>
+        </p:nvSpPr>
+        <p:spPr>
+          <a:xfrm>
+            <a:off x="348343" y="994095"/>
+            <a:ext cx="5514779" cy="369332"/>
+          </a:xfrm>
+          <a:prstGeom prst="rect">
+            <a:avLst/>
+          </a:prstGeom>
+          <a:noFill/>
+        </p:spPr>
+        <p:txBody>
+          <a:bodyPr wrap="none" rtlCol="0">
+            <a:spAutoFit/>
+          </a:bodyPr>
+          <a:lstStyle/>
+          <a:p>
+            <a:r>
+              <a:rPr lang="pt-BR" dirty="0"/>
+              <a:t>Entregar para os alunos a música personalizada IA</a:t>
+            </a:r>
+          </a:p>
+        </p:txBody>
+      </p:sp>
+      <p:sp>
+        <p:nvSpPr>
+          <p:cNvPr id="19" name="CaixaDeTexto 18">
+            <a:extLst>
+              <a:ext uri="{FF2B5EF4-FFF2-40B4-BE49-F238E27FC236}">
+                <a16:creationId xmlns:a16="http://schemas.microsoft.com/office/drawing/2014/main" id="{5CF88D00-8F69-4B51-A1F6-F1C3CAB67FE9}"/>
+              </a:ext>
+            </a:extLst>
+          </p:cNvPr>
+          <p:cNvSpPr txBox="1"/>
+          <p:nvPr/>
+        </p:nvSpPr>
+        <p:spPr>
+          <a:xfrm>
+            <a:off x="348343" y="774113"/>
+            <a:ext cx="1441420" cy="369332"/>
+          </a:xfrm>
+          <a:prstGeom prst="rect">
+            <a:avLst/>
+          </a:prstGeom>
+          <a:noFill/>
+        </p:spPr>
+        <p:txBody>
+          <a:bodyPr wrap="none" rtlCol="0">
+            <a:spAutoFit/>
+          </a:bodyPr>
+          <a:lstStyle/>
+          <a:p>
+            <a:r>
+              <a:rPr lang="pt-BR" dirty="0">
+                <a:solidFill>
+                  <a:srgbClr val="FF0000"/>
+                </a:solidFill>
+              </a:rPr>
+              <a:t>ENTREGA 2</a:t>
+            </a:r>
+          </a:p>
+        </p:txBody>
+      </p:sp>
+      <p:sp>
+        <p:nvSpPr>
+          <p:cNvPr id="20" name="CaixaDeTexto 19">
+            <a:extLst>
+              <a:ext uri="{FF2B5EF4-FFF2-40B4-BE49-F238E27FC236}">
+                <a16:creationId xmlns:a16="http://schemas.microsoft.com/office/drawing/2014/main" id="{F1B0B5A4-4193-467D-9FFA-CF03CB986874}"/>
+              </a:ext>
+            </a:extLst>
+          </p:cNvPr>
+          <p:cNvSpPr txBox="1"/>
+          <p:nvPr/>
+        </p:nvSpPr>
+        <p:spPr>
+          <a:xfrm>
+            <a:off x="268448" y="6238867"/>
+            <a:ext cx="7029488" cy="369332"/>
+          </a:xfrm>
+          <a:prstGeom prst="rect">
+            <a:avLst/>
+          </a:prstGeom>
+          <a:noFill/>
+        </p:spPr>
+        <p:txBody>
+          <a:bodyPr wrap="none" rtlCol="0">
+            <a:spAutoFit/>
+          </a:bodyPr>
+          <a:lstStyle/>
+          <a:p>
+            <a:r>
+              <a:rPr lang="pt-BR" b="1" dirty="0" err="1">
+                <a:solidFill>
+                  <a:srgbClr val="FF0000"/>
+                </a:solidFill>
+              </a:rPr>
+              <a:t>Softskills</a:t>
+            </a:r>
+            <a:r>
+              <a:rPr lang="pt-BR" b="1" dirty="0">
+                <a:solidFill>
+                  <a:srgbClr val="FF0000"/>
+                </a:solidFill>
+              </a:rPr>
+              <a:t>: </a:t>
+            </a:r>
+            <a:r>
+              <a:rPr lang="pt-BR" dirty="0"/>
+              <a:t>empatia, trabalho em equipe, liderança e negociação.</a:t>
+            </a:r>
+          </a:p>
+        </p:txBody>
+      </p:sp>
     </p:spTree>
     <p:extLst>
       <p:ext uri="{BB962C8B-B14F-4D97-AF65-F5344CB8AC3E}">
@@ -9139,10 +9523,10 @@
       </p:grpSpPr>
       <p:pic>
         <p:nvPicPr>
-          <p:cNvPr id="2" name="Imagem 1">
-            <a:extLst>
-              <a:ext uri="{FF2B5EF4-FFF2-40B4-BE49-F238E27FC236}">
-                <a16:creationId xmlns:a16="http://schemas.microsoft.com/office/drawing/2014/main" id="{5923DD00-A280-4236-AACD-BAD7185FA08A}"/>
+          <p:cNvPr id="3" name="Imagem 2">
+            <a:extLst>
+              <a:ext uri="{FF2B5EF4-FFF2-40B4-BE49-F238E27FC236}">
+                <a16:creationId xmlns:a16="http://schemas.microsoft.com/office/drawing/2014/main" id="{F886E6FD-37B9-4705-9E35-A56056B8C08F}"/>
               </a:ext>
             </a:extLst>
           </p:cNvPr>
@@ -9159,8 +9543,8 @@
         </p:blipFill>
         <p:spPr>
           <a:xfrm>
-            <a:off x="1793296" y="163585"/>
-            <a:ext cx="8282078" cy="6530829"/>
+            <a:off x="2638697" y="1419497"/>
+            <a:ext cx="6757851" cy="3801291"/>
           </a:xfrm>
           <a:prstGeom prst="rect">
             <a:avLst/>
@@ -9170,7 +9554,7 @@
     </p:spTree>
     <p:extLst>
       <p:ext uri="{BB962C8B-B14F-4D97-AF65-F5344CB8AC3E}">
-        <p14:creationId xmlns:p14="http://schemas.microsoft.com/office/powerpoint/2010/main" val="4177865860"/>
+        <p14:creationId xmlns:p14="http://schemas.microsoft.com/office/powerpoint/2010/main" val="1049679186"/>
       </p:ext>
     </p:extLst>
   </p:cSld>
@@ -9550,7 +9934,7 @@
           <p:cNvPr id="2" name="Título 1">
             <a:extLst>
               <a:ext uri="{FF2B5EF4-FFF2-40B4-BE49-F238E27FC236}">
-                <a16:creationId xmlns:a16="http://schemas.microsoft.com/office/drawing/2014/main" id="{E88600D0-F8B6-4C7E-865A-C312F94804DA}"/>
+                <a16:creationId xmlns:a16="http://schemas.microsoft.com/office/drawing/2014/main" id="{A842BA72-03E4-4357-BCB7-157F12476CA2}"/>
               </a:ext>
             </a:extLst>
           </p:cNvPr>
@@ -9568,7 +9952,7 @@
           <a:p>
             <a:r>
               <a:rPr lang="pt-BR" dirty="0"/>
-              <a:t>Passo 1 – Variáveis ?</a:t>
+              <a:t>Habilidades avaliadas</a:t>
             </a:r>
           </a:p>
         </p:txBody>
@@ -9578,7 +9962,7 @@
           <p:cNvPr id="3" name="Espaço Reservado para Conteúdo 2">
             <a:extLst>
               <a:ext uri="{FF2B5EF4-FFF2-40B4-BE49-F238E27FC236}">
-                <a16:creationId xmlns:a16="http://schemas.microsoft.com/office/drawing/2014/main" id="{8F850B91-3917-4EB9-8482-807FD31812C0}"/>
+                <a16:creationId xmlns:a16="http://schemas.microsoft.com/office/drawing/2014/main" id="{51DB4032-49A3-4987-B7D5-051E6CB9CCCC}"/>
               </a:ext>
             </a:extLst>
           </p:cNvPr>
@@ -9589,187 +9973,65 @@
             <p:ph idx="1"/>
           </p:nvPr>
         </p:nvSpPr>
-        <p:spPr>
-          <a:xfrm>
-            <a:off x="1063752" y="1878127"/>
-            <a:ext cx="10058400" cy="4050792"/>
-          </a:xfrm>
-        </p:spPr>
-        <p:txBody>
-          <a:bodyPr>
-            <a:normAutofit fontScale="85000" lnSpcReduction="20000"/>
-          </a:bodyPr>
+        <p:spPr/>
+        <p:txBody>
+          <a:bodyPr/>
           <a:lstStyle/>
           <a:p>
-            <a:r>
-              <a:rPr lang="pt-BR" u="sng" dirty="0"/>
-              <a:t>Professor</a:t>
-            </a:r>
-          </a:p>
-          <a:p>
-            <a:pPr lvl="1"/>
+            <a:pPr marL="457200" indent="-457200">
+              <a:buFont typeface="+mj-lt"/>
+              <a:buAutoNum type="arabicPeriod"/>
+            </a:pPr>
             <a:r>
               <a:rPr lang="pt-BR" dirty="0"/>
-              <a:t>Categórica</a:t>
-            </a:r>
-          </a:p>
-          <a:p>
-            <a:pPr lvl="2"/>
+              <a:t>Selecionar perguntas com variáveis quantitativas e qualitativas para gerar gráficos de diversos tipos.</a:t>
+            </a:r>
+          </a:p>
+          <a:p>
+            <a:pPr marL="457200" indent="-457200">
+              <a:buFont typeface="+mj-lt"/>
+              <a:buAutoNum type="arabicPeriod"/>
+            </a:pPr>
             <a:r>
               <a:rPr lang="pt-BR" dirty="0"/>
-              <a:t>Qualitativa</a:t>
-            </a:r>
-          </a:p>
-          <a:p>
-            <a:pPr lvl="2"/>
+              <a:t>Utilizar Google </a:t>
+            </a:r>
+            <a:r>
+              <a:rPr lang="pt-BR" dirty="0" err="1"/>
+              <a:t>Forms</a:t>
+            </a:r>
             <a:r>
               <a:rPr lang="pt-BR" dirty="0"/>
-              <a:t>Nominal</a:t>
-            </a:r>
-          </a:p>
-          <a:p>
-            <a:r>
-              <a:rPr lang="pt-BR" dirty="0"/>
-              <a:t>Faixa-etária</a:t>
-            </a:r>
-          </a:p>
-          <a:p>
-            <a:pPr lvl="1"/>
-            <a:r>
-              <a:rPr lang="pt-BR" dirty="0"/>
-              <a:t>Categórica</a:t>
-            </a:r>
-          </a:p>
-          <a:p>
-            <a:pPr lvl="2"/>
-            <a:r>
-              <a:rPr lang="pt-BR" dirty="0"/>
-              <a:t>Qualitativa</a:t>
-            </a:r>
-          </a:p>
-          <a:p>
-            <a:pPr lvl="2"/>
-            <a:r>
-              <a:rPr lang="pt-BR" dirty="0"/>
-              <a:t>Ordinal</a:t>
-            </a:r>
-          </a:p>
-          <a:p>
-            <a:r>
-              <a:rPr lang="pt-BR" dirty="0"/>
-              <a:t>Idade</a:t>
-            </a:r>
-          </a:p>
-          <a:p>
-            <a:pPr lvl="1"/>
-            <a:r>
-              <a:rPr lang="pt-BR" dirty="0" err="1"/>
-              <a:t>Númerica</a:t>
-            </a:r>
-            <a:endParaRPr lang="pt-BR" dirty="0"/>
-          </a:p>
-          <a:p>
-            <a:pPr lvl="2"/>
-            <a:r>
-              <a:rPr lang="pt-BR" dirty="0"/>
-              <a:t>Q	</a:t>
-            </a:r>
-            <a:r>
-              <a:rPr lang="pt-BR" dirty="0" err="1"/>
-              <a:t>uantitativa</a:t>
-            </a:r>
-            <a:endParaRPr lang="pt-BR" dirty="0"/>
-          </a:p>
-          <a:p>
-            <a:pPr lvl="2"/>
-            <a:r>
-              <a:rPr lang="pt-BR" dirty="0"/>
-              <a:t>Discreta</a:t>
-            </a:r>
-          </a:p>
-          <a:p>
-            <a:r>
-              <a:rPr lang="pt-BR" dirty="0"/>
-              <a:t>Qual a sua pretensão salarial para o curso </a:t>
-            </a:r>
-          </a:p>
-          <a:p>
-            <a:pPr lvl="1"/>
-            <a:r>
-              <a:rPr lang="pt-BR" dirty="0" err="1"/>
-              <a:t>Númerica</a:t>
-            </a:r>
-            <a:endParaRPr lang="pt-BR" dirty="0"/>
-          </a:p>
-          <a:p>
-            <a:pPr lvl="2"/>
-            <a:r>
-              <a:rPr lang="pt-BR" dirty="0"/>
-              <a:t>Quantitativa</a:t>
-            </a:r>
-          </a:p>
-          <a:p>
-            <a:pPr lvl="2"/>
-            <a:r>
-              <a:rPr lang="pt-BR" dirty="0"/>
-              <a:t>Contínuas</a:t>
-            </a:r>
-          </a:p>
-          <a:p>
-            <a:pPr lvl="2"/>
-            <a:endParaRPr lang="pt-BR" dirty="0"/>
-          </a:p>
-          <a:p>
-            <a:endParaRPr lang="pt-BR" dirty="0"/>
-          </a:p>
-        </p:txBody>
-      </p:sp>
-      <p:pic>
-        <p:nvPicPr>
-          <p:cNvPr id="4" name="Imagem 3">
-            <a:extLst>
-              <a:ext uri="{FF2B5EF4-FFF2-40B4-BE49-F238E27FC236}">
-                <a16:creationId xmlns:a16="http://schemas.microsoft.com/office/drawing/2014/main" id="{2A6AA43A-B5F9-47DD-9AE0-D75FBDE2CE7F}"/>
-              </a:ext>
-            </a:extLst>
-          </p:cNvPr>
-          <p:cNvPicPr>
-            <a:picLocks noChangeAspect="1"/>
-          </p:cNvPicPr>
-          <p:nvPr/>
-        </p:nvPicPr>
-        <p:blipFill>
-          <a:blip r:embed="rId2"/>
-          <a:stretch>
-            <a:fillRect/>
-          </a:stretch>
-        </p:blipFill>
-        <p:spPr>
-          <a:xfrm>
-            <a:off x="6635692" y="2266140"/>
-            <a:ext cx="5069928" cy="3049879"/>
-          </a:xfrm>
-          <a:prstGeom prst="rect">
-            <a:avLst/>
-          </a:prstGeom>
-          <a:ln w="88900" cap="sq" cmpd="thickThin">
-            <a:solidFill>
-              <a:srgbClr val="000000"/>
-            </a:solidFill>
-            <a:prstDash val="solid"/>
-            <a:miter lim="800000"/>
-          </a:ln>
-          <a:effectLst>
-            <a:innerShdw blurRad="76200">
-              <a:srgbClr val="000000"/>
-            </a:innerShdw>
-          </a:effectLst>
-        </p:spPr>
-      </p:pic>
+              <a:t> para gerar </a:t>
+            </a:r>
+            <a:r>
+              <a:rPr lang="pt-BR" b="1" i="1" u="sng" dirty="0">
+                <a:solidFill>
+                  <a:srgbClr val="002060"/>
+                </a:solidFill>
+              </a:rPr>
+              <a:t>arquivo .</a:t>
+            </a:r>
+            <a:r>
+              <a:rPr lang="pt-BR" b="1" i="1" u="sng" dirty="0" err="1">
+                <a:solidFill>
+                  <a:srgbClr val="002060"/>
+                </a:solidFill>
+              </a:rPr>
+              <a:t>csv</a:t>
+            </a:r>
+            <a:endParaRPr lang="pt-BR" b="1" i="1" u="sng" dirty="0">
+              <a:solidFill>
+                <a:srgbClr val="002060"/>
+              </a:solidFill>
+            </a:endParaRPr>
+          </a:p>
+        </p:txBody>
+      </p:sp>
     </p:spTree>
     <p:extLst>
       <p:ext uri="{BB962C8B-B14F-4D97-AF65-F5344CB8AC3E}">
-        <p14:creationId xmlns:p14="http://schemas.microsoft.com/office/powerpoint/2010/main" val="471282979"/>
+        <p14:creationId xmlns:p14="http://schemas.microsoft.com/office/powerpoint/2010/main" val="800251963"/>
       </p:ext>
     </p:extLst>
   </p:cSld>
@@ -9796,40 +10058,12 @@
           <a:chExt cx="0" cy="0"/>
         </a:xfrm>
       </p:grpSpPr>
-      <p:sp>
-        <p:nvSpPr>
-          <p:cNvPr id="2" name="Título 1">
-            <a:extLst>
-              <a:ext uri="{FF2B5EF4-FFF2-40B4-BE49-F238E27FC236}">
-                <a16:creationId xmlns:a16="http://schemas.microsoft.com/office/drawing/2014/main" id="{0523F8DF-D24E-4C3F-B299-A6B44CD13D0A}"/>
-              </a:ext>
-            </a:extLst>
-          </p:cNvPr>
-          <p:cNvSpPr>
-            <a:spLocks noGrp="1"/>
-          </p:cNvSpPr>
-          <p:nvPr>
-            <p:ph type="title"/>
-          </p:nvPr>
-        </p:nvSpPr>
-        <p:spPr/>
-        <p:txBody>
-          <a:bodyPr/>
-          <a:lstStyle/>
-          <a:p>
-            <a:r>
-              <a:rPr lang="pt-BR" dirty="0"/>
-              <a:t>Passo 2 - notebook</a:t>
-            </a:r>
-          </a:p>
-        </p:txBody>
-      </p:sp>
       <p:pic>
         <p:nvPicPr>
-          <p:cNvPr id="4" name="Imagem 3">
-            <a:extLst>
-              <a:ext uri="{FF2B5EF4-FFF2-40B4-BE49-F238E27FC236}">
-                <a16:creationId xmlns:a16="http://schemas.microsoft.com/office/drawing/2014/main" id="{416E7C96-8B82-43A5-B4E4-80D5AE771157}"/>
+          <p:cNvPr id="2" name="Imagem 1">
+            <a:extLst>
+              <a:ext uri="{FF2B5EF4-FFF2-40B4-BE49-F238E27FC236}">
+                <a16:creationId xmlns:a16="http://schemas.microsoft.com/office/drawing/2014/main" id="{5923DD00-A280-4236-AACD-BAD7185FA08A}"/>
               </a:ext>
             </a:extLst>
           </p:cNvPr>
@@ -9846,8 +10080,38 @@
         </p:blipFill>
         <p:spPr>
           <a:xfrm>
-            <a:off x="1170264" y="1851520"/>
-            <a:ext cx="9448800" cy="4648200"/>
+            <a:off x="3236466" y="1942011"/>
+            <a:ext cx="6234217" cy="4915989"/>
+          </a:xfrm>
+          <a:prstGeom prst="rect">
+            <a:avLst/>
+          </a:prstGeom>
+        </p:spPr>
+      </p:pic>
+      <p:pic>
+        <p:nvPicPr>
+          <p:cNvPr id="3" name="Imagem 2">
+            <a:extLst>
+              <a:ext uri="{FF2B5EF4-FFF2-40B4-BE49-F238E27FC236}">
+                <a16:creationId xmlns:a16="http://schemas.microsoft.com/office/drawing/2014/main" id="{FEC20F67-593F-4AD3-A06F-1FC3928D1C94}"/>
+              </a:ext>
+            </a:extLst>
+          </p:cNvPr>
+          <p:cNvPicPr>
+            <a:picLocks noChangeAspect="1"/>
+          </p:cNvPicPr>
+          <p:nvPr/>
+        </p:nvPicPr>
+        <p:blipFill>
+          <a:blip r:embed="rId3"/>
+          <a:stretch>
+            <a:fillRect/>
+          </a:stretch>
+        </p:blipFill>
+        <p:spPr>
+          <a:xfrm>
+            <a:off x="3236466" y="695544"/>
+            <a:ext cx="6234218" cy="1246467"/>
           </a:xfrm>
           <a:prstGeom prst="rect">
             <a:avLst/>
@@ -9857,7 +10121,7 @@
     </p:spTree>
     <p:extLst>
       <p:ext uri="{BB962C8B-B14F-4D97-AF65-F5344CB8AC3E}">
-        <p14:creationId xmlns:p14="http://schemas.microsoft.com/office/powerpoint/2010/main" val="995989975"/>
+        <p14:creationId xmlns:p14="http://schemas.microsoft.com/office/powerpoint/2010/main" val="4177865860"/>
       </p:ext>
     </p:extLst>
   </p:cSld>
@@ -9889,7 +10153,7 @@
           <p:cNvPr id="2" name="Título 1">
             <a:extLst>
               <a:ext uri="{FF2B5EF4-FFF2-40B4-BE49-F238E27FC236}">
-                <a16:creationId xmlns:a16="http://schemas.microsoft.com/office/drawing/2014/main" id="{0523F8DF-D24E-4C3F-B299-A6B44CD13D0A}"/>
+                <a16:creationId xmlns:a16="http://schemas.microsoft.com/office/drawing/2014/main" id="{E88600D0-F8B6-4C7E-865A-C312F94804DA}"/>
               </a:ext>
             </a:extLst>
           </p:cNvPr>
@@ -9907,17 +10171,168 @@
           <a:p>
             <a:r>
               <a:rPr lang="pt-BR" dirty="0"/>
-              <a:t>Passo 3 - notebook</a:t>
-            </a:r>
+              <a:t>Passo 1 – Variáveis ?</a:t>
+            </a:r>
+          </a:p>
+        </p:txBody>
+      </p:sp>
+      <p:sp>
+        <p:nvSpPr>
+          <p:cNvPr id="3" name="Espaço Reservado para Conteúdo 2">
+            <a:extLst>
+              <a:ext uri="{FF2B5EF4-FFF2-40B4-BE49-F238E27FC236}">
+                <a16:creationId xmlns:a16="http://schemas.microsoft.com/office/drawing/2014/main" id="{8F850B91-3917-4EB9-8482-807FD31812C0}"/>
+              </a:ext>
+            </a:extLst>
+          </p:cNvPr>
+          <p:cNvSpPr>
+            <a:spLocks noGrp="1"/>
+          </p:cNvSpPr>
+          <p:nvPr>
+            <p:ph idx="1"/>
+          </p:nvPr>
+        </p:nvSpPr>
+        <p:spPr>
+          <a:xfrm>
+            <a:off x="1063752" y="1878127"/>
+            <a:ext cx="10058400" cy="4050792"/>
+          </a:xfrm>
+        </p:spPr>
+        <p:txBody>
+          <a:bodyPr>
+            <a:normAutofit fontScale="85000" lnSpcReduction="20000"/>
+          </a:bodyPr>
+          <a:lstStyle/>
+          <a:p>
+            <a:r>
+              <a:rPr lang="pt-BR" u="sng" dirty="0"/>
+              <a:t>Professor</a:t>
+            </a:r>
+          </a:p>
+          <a:p>
+            <a:pPr lvl="1"/>
+            <a:r>
+              <a:rPr lang="pt-BR" dirty="0"/>
+              <a:t>Categórica</a:t>
+            </a:r>
+          </a:p>
+          <a:p>
+            <a:pPr lvl="2"/>
+            <a:r>
+              <a:rPr lang="pt-BR" dirty="0"/>
+              <a:t>Qualitativa</a:t>
+            </a:r>
+          </a:p>
+          <a:p>
+            <a:pPr lvl="2"/>
+            <a:r>
+              <a:rPr lang="pt-BR" dirty="0"/>
+              <a:t>Nominal</a:t>
+            </a:r>
+          </a:p>
+          <a:p>
+            <a:r>
+              <a:rPr lang="pt-BR" dirty="0"/>
+              <a:t>Faixa-etária</a:t>
+            </a:r>
+          </a:p>
+          <a:p>
+            <a:pPr lvl="1"/>
+            <a:r>
+              <a:rPr lang="pt-BR" dirty="0"/>
+              <a:t>Categórica</a:t>
+            </a:r>
+          </a:p>
+          <a:p>
+            <a:pPr lvl="2"/>
+            <a:r>
+              <a:rPr lang="pt-BR" dirty="0"/>
+              <a:t>Qualitativa</a:t>
+            </a:r>
+          </a:p>
+          <a:p>
+            <a:pPr lvl="2"/>
+            <a:r>
+              <a:rPr lang="pt-BR" dirty="0"/>
+              <a:t>Ordinal</a:t>
+            </a:r>
+          </a:p>
+          <a:p>
+            <a:r>
+              <a:rPr lang="pt-BR" dirty="0"/>
+              <a:t>Idade</a:t>
+            </a:r>
+          </a:p>
+          <a:p>
+            <a:pPr lvl="1"/>
+            <a:r>
+              <a:rPr lang="pt-BR" dirty="0" err="1"/>
+              <a:t>Númerica</a:t>
+            </a:r>
+            <a:endParaRPr lang="pt-BR" dirty="0"/>
+          </a:p>
+          <a:p>
+            <a:pPr lvl="2"/>
+            <a:r>
+              <a:rPr lang="pt-BR" dirty="0"/>
+              <a:t>Q	</a:t>
+            </a:r>
+            <a:r>
+              <a:rPr lang="pt-BR" dirty="0" err="1"/>
+              <a:t>uantitativa</a:t>
+            </a:r>
+            <a:endParaRPr lang="pt-BR" dirty="0"/>
+          </a:p>
+          <a:p>
+            <a:pPr lvl="2"/>
+            <a:r>
+              <a:rPr lang="pt-BR" dirty="0"/>
+              <a:t>Discreta</a:t>
+            </a:r>
+          </a:p>
+          <a:p>
+            <a:r>
+              <a:rPr lang="pt-BR" dirty="0"/>
+              <a:t>Qual a sua pretensão salarial para o curso </a:t>
+            </a:r>
+          </a:p>
+          <a:p>
+            <a:pPr lvl="1"/>
+            <a:r>
+              <a:rPr lang="pt-BR" dirty="0" err="1"/>
+              <a:t>Númerica</a:t>
+            </a:r>
+            <a:endParaRPr lang="pt-BR" dirty="0"/>
+          </a:p>
+          <a:p>
+            <a:pPr lvl="2"/>
+            <a:r>
+              <a:rPr lang="pt-BR" dirty="0"/>
+              <a:t>Quantitativa</a:t>
+            </a:r>
+          </a:p>
+          <a:p>
+            <a:pPr lvl="2"/>
+            <a:r>
+              <a:rPr lang="pt-BR" dirty="0"/>
+              <a:t>Contínuas</a:t>
+            </a:r>
+          </a:p>
+          <a:p>
+            <a:pPr lvl="2"/>
+            <a:endParaRPr lang="pt-BR" dirty="0"/>
+          </a:p>
+          <a:p>
+            <a:endParaRPr lang="pt-BR" dirty="0"/>
           </a:p>
         </p:txBody>
       </p:sp>
       <p:pic>
         <p:nvPicPr>
-          <p:cNvPr id="3" name="Imagem 2">
-            <a:extLst>
-              <a:ext uri="{FF2B5EF4-FFF2-40B4-BE49-F238E27FC236}">
-                <a16:creationId xmlns:a16="http://schemas.microsoft.com/office/drawing/2014/main" id="{F30E0E22-8442-4969-BB8F-BB1EF08F70C6}"/>
+          <p:cNvPr id="4" name="Imagem 3">
+            <a:extLst>
+              <a:ext uri="{FF2B5EF4-FFF2-40B4-BE49-F238E27FC236}">
+                <a16:creationId xmlns:a16="http://schemas.microsoft.com/office/drawing/2014/main" id="{2A6AA43A-B5F9-47DD-9AE0-D75FBDE2CE7F}"/>
               </a:ext>
             </a:extLst>
           </p:cNvPr>
@@ -9934,18 +10349,30 @@
         </p:blipFill>
         <p:spPr>
           <a:xfrm>
-            <a:off x="1182848" y="1934901"/>
-            <a:ext cx="10335237" cy="2640440"/>
-          </a:xfrm>
-          <a:prstGeom prst="rect">
-            <a:avLst/>
-          </a:prstGeom>
+            <a:off x="6635692" y="2266140"/>
+            <a:ext cx="5069928" cy="3049879"/>
+          </a:xfrm>
+          <a:prstGeom prst="rect">
+            <a:avLst/>
+          </a:prstGeom>
+          <a:ln w="88900" cap="sq" cmpd="thickThin">
+            <a:solidFill>
+              <a:srgbClr val="000000"/>
+            </a:solidFill>
+            <a:prstDash val="solid"/>
+            <a:miter lim="800000"/>
+          </a:ln>
+          <a:effectLst>
+            <a:innerShdw blurRad="76200">
+              <a:srgbClr val="000000"/>
+            </a:innerShdw>
+          </a:effectLst>
         </p:spPr>
       </p:pic>
     </p:spTree>
     <p:extLst>
       <p:ext uri="{BB962C8B-B14F-4D97-AF65-F5344CB8AC3E}">
-        <p14:creationId xmlns:p14="http://schemas.microsoft.com/office/powerpoint/2010/main" val="2846214196"/>
+        <p14:creationId xmlns:p14="http://schemas.microsoft.com/office/powerpoint/2010/main" val="471282979"/>
       </p:ext>
     </p:extLst>
   </p:cSld>
@@ -9977,7 +10404,7 @@
           <p:cNvPr id="2" name="Título 1">
             <a:extLst>
               <a:ext uri="{FF2B5EF4-FFF2-40B4-BE49-F238E27FC236}">
-                <a16:creationId xmlns:a16="http://schemas.microsoft.com/office/drawing/2014/main" id="{2D564FE4-1C79-4562-A87B-6684703F4BAD}"/>
+                <a16:creationId xmlns:a16="http://schemas.microsoft.com/office/drawing/2014/main" id="{0523F8DF-D24E-4C3F-B299-A6B44CD13D0A}"/>
               </a:ext>
             </a:extLst>
           </p:cNvPr>
@@ -9995,56 +10422,45 @@
           <a:p>
             <a:r>
               <a:rPr lang="pt-BR" dirty="0"/>
-              <a:t>É hora de </a:t>
-            </a:r>
-            <a:r>
-              <a:rPr lang="pt-BR" dirty="0" err="1"/>
-              <a:t>codar</a:t>
-            </a:r>
-            <a:endParaRPr lang="pt-BR" dirty="0"/>
-          </a:p>
-        </p:txBody>
-      </p:sp>
-      <p:sp>
-        <p:nvSpPr>
-          <p:cNvPr id="3" name="Espaço Reservado para Texto 2">
-            <a:extLst>
-              <a:ext uri="{FF2B5EF4-FFF2-40B4-BE49-F238E27FC236}">
-                <a16:creationId xmlns:a16="http://schemas.microsoft.com/office/drawing/2014/main" id="{4B4F99FC-D7E5-413D-A335-A46E14F84AD4}"/>
-              </a:ext>
-            </a:extLst>
-          </p:cNvPr>
-          <p:cNvSpPr>
-            <a:spLocks noGrp="1"/>
-          </p:cNvSpPr>
-          <p:nvPr>
-            <p:ph type="body" idx="1"/>
-          </p:nvPr>
-        </p:nvSpPr>
-        <p:spPr/>
-        <p:txBody>
-          <a:bodyPr/>
-          <a:lstStyle/>
-          <a:p>
-            <a:r>
-              <a:rPr lang="pt-BR" dirty="0"/>
-              <a:t>Manualmente ou com IA (GITHUB </a:t>
-            </a:r>
-            <a:r>
-              <a:rPr lang="pt-BR" dirty="0" err="1"/>
-              <a:t>Copilot</a:t>
-            </a:r>
-            <a:r>
-              <a:rPr lang="pt-BR" dirty="0"/>
-              <a:t>)</a:t>
-            </a:r>
-          </a:p>
-        </p:txBody>
-      </p:sp>
+              <a:t>Passo 2 - notebook</a:t>
+            </a:r>
+          </a:p>
+        </p:txBody>
+      </p:sp>
+      <p:pic>
+        <p:nvPicPr>
+          <p:cNvPr id="4" name="Imagem 3">
+            <a:extLst>
+              <a:ext uri="{FF2B5EF4-FFF2-40B4-BE49-F238E27FC236}">
+                <a16:creationId xmlns:a16="http://schemas.microsoft.com/office/drawing/2014/main" id="{416E7C96-8B82-43A5-B4E4-80D5AE771157}"/>
+              </a:ext>
+            </a:extLst>
+          </p:cNvPr>
+          <p:cNvPicPr>
+            <a:picLocks noChangeAspect="1"/>
+          </p:cNvPicPr>
+          <p:nvPr/>
+        </p:nvPicPr>
+        <p:blipFill>
+          <a:blip r:embed="rId2"/>
+          <a:stretch>
+            <a:fillRect/>
+          </a:stretch>
+        </p:blipFill>
+        <p:spPr>
+          <a:xfrm>
+            <a:off x="1170264" y="1851520"/>
+            <a:ext cx="9448800" cy="4648200"/>
+          </a:xfrm>
+          <a:prstGeom prst="rect">
+            <a:avLst/>
+          </a:prstGeom>
+        </p:spPr>
+      </p:pic>
     </p:spTree>
     <p:extLst>
       <p:ext uri="{BB962C8B-B14F-4D97-AF65-F5344CB8AC3E}">
-        <p14:creationId xmlns:p14="http://schemas.microsoft.com/office/powerpoint/2010/main" val="3692590860"/>
+        <p14:creationId xmlns:p14="http://schemas.microsoft.com/office/powerpoint/2010/main" val="995989975"/>
       </p:ext>
     </p:extLst>
   </p:cSld>
@@ -10071,6 +10487,228 @@
           <a:chExt cx="0" cy="0"/>
         </a:xfrm>
       </p:grpSpPr>
+      <p:sp>
+        <p:nvSpPr>
+          <p:cNvPr id="2" name="Título 1">
+            <a:extLst>
+              <a:ext uri="{FF2B5EF4-FFF2-40B4-BE49-F238E27FC236}">
+                <a16:creationId xmlns:a16="http://schemas.microsoft.com/office/drawing/2014/main" id="{0523F8DF-D24E-4C3F-B299-A6B44CD13D0A}"/>
+              </a:ext>
+            </a:extLst>
+          </p:cNvPr>
+          <p:cNvSpPr>
+            <a:spLocks noGrp="1"/>
+          </p:cNvSpPr>
+          <p:nvPr>
+            <p:ph type="title"/>
+          </p:nvPr>
+        </p:nvSpPr>
+        <p:spPr/>
+        <p:txBody>
+          <a:bodyPr/>
+          <a:lstStyle/>
+          <a:p>
+            <a:r>
+              <a:rPr lang="pt-BR" dirty="0"/>
+              <a:t>Passo 3 - notebook</a:t>
+            </a:r>
+          </a:p>
+        </p:txBody>
+      </p:sp>
+      <p:pic>
+        <p:nvPicPr>
+          <p:cNvPr id="3" name="Imagem 2">
+            <a:extLst>
+              <a:ext uri="{FF2B5EF4-FFF2-40B4-BE49-F238E27FC236}">
+                <a16:creationId xmlns:a16="http://schemas.microsoft.com/office/drawing/2014/main" id="{F30E0E22-8442-4969-BB8F-BB1EF08F70C6}"/>
+              </a:ext>
+            </a:extLst>
+          </p:cNvPr>
+          <p:cNvPicPr>
+            <a:picLocks noChangeAspect="1"/>
+          </p:cNvPicPr>
+          <p:nvPr/>
+        </p:nvPicPr>
+        <p:blipFill>
+          <a:blip r:embed="rId2"/>
+          <a:stretch>
+            <a:fillRect/>
+          </a:stretch>
+        </p:blipFill>
+        <p:spPr>
+          <a:xfrm>
+            <a:off x="1182848" y="1934901"/>
+            <a:ext cx="10335237" cy="2640440"/>
+          </a:xfrm>
+          <a:prstGeom prst="rect">
+            <a:avLst/>
+          </a:prstGeom>
+        </p:spPr>
+      </p:pic>
+      <p:sp>
+        <p:nvSpPr>
+          <p:cNvPr id="4" name="CaixaDeTexto 3">
+            <a:extLst>
+              <a:ext uri="{FF2B5EF4-FFF2-40B4-BE49-F238E27FC236}">
+                <a16:creationId xmlns:a16="http://schemas.microsoft.com/office/drawing/2014/main" id="{8A480E39-A4C7-476A-BB02-DFE1535EC3BA}"/>
+              </a:ext>
+            </a:extLst>
+          </p:cNvPr>
+          <p:cNvSpPr txBox="1"/>
+          <p:nvPr/>
+        </p:nvSpPr>
+        <p:spPr>
+          <a:xfrm>
+            <a:off x="1358537" y="5120640"/>
+            <a:ext cx="9015097" cy="369332"/>
+          </a:xfrm>
+          <a:prstGeom prst="rect">
+            <a:avLst/>
+          </a:prstGeom>
+          <a:noFill/>
+        </p:spPr>
+        <p:txBody>
+          <a:bodyPr wrap="none" rtlCol="0">
+            <a:spAutoFit/>
+          </a:bodyPr>
+          <a:lstStyle/>
+          <a:p>
+            <a:r>
+              <a:rPr lang="pt-BR" dirty="0"/>
+              <a:t>Qual palavra-chave você mais gosta do curso, para que ela seja inserida na música ?</a:t>
+            </a:r>
+          </a:p>
+        </p:txBody>
+      </p:sp>
+    </p:spTree>
+    <p:extLst>
+      <p:ext uri="{BB962C8B-B14F-4D97-AF65-F5344CB8AC3E}">
+        <p14:creationId xmlns:p14="http://schemas.microsoft.com/office/powerpoint/2010/main" val="2846214196"/>
+      </p:ext>
+    </p:extLst>
+  </p:cSld>
+  <p:clrMapOvr>
+    <a:masterClrMapping/>
+  </p:clrMapOvr>
+</p:sld>
+</file>
+
+<file path=ppt/slides/slide46.xml><?xml version="1.0" encoding="utf-8"?>
+<p:sld xmlns:a="http://schemas.openxmlformats.org/drawingml/2006/main" xmlns:r="http://schemas.openxmlformats.org/officeDocument/2006/relationships" xmlns:p="http://schemas.openxmlformats.org/presentationml/2006/main">
+  <p:cSld>
+    <p:spTree>
+      <p:nvGrpSpPr>
+        <p:cNvPr id="1" name=""/>
+        <p:cNvGrpSpPr/>
+        <p:nvPr/>
+      </p:nvGrpSpPr>
+      <p:grpSpPr>
+        <a:xfrm>
+          <a:off x="0" y="0"/>
+          <a:ext cx="0" cy="0"/>
+          <a:chOff x="0" y="0"/>
+          <a:chExt cx="0" cy="0"/>
+        </a:xfrm>
+      </p:grpSpPr>
+      <p:sp>
+        <p:nvSpPr>
+          <p:cNvPr id="2" name="Título 1">
+            <a:extLst>
+              <a:ext uri="{FF2B5EF4-FFF2-40B4-BE49-F238E27FC236}">
+                <a16:creationId xmlns:a16="http://schemas.microsoft.com/office/drawing/2014/main" id="{2D564FE4-1C79-4562-A87B-6684703F4BAD}"/>
+              </a:ext>
+            </a:extLst>
+          </p:cNvPr>
+          <p:cNvSpPr>
+            <a:spLocks noGrp="1"/>
+          </p:cNvSpPr>
+          <p:nvPr>
+            <p:ph type="title"/>
+          </p:nvPr>
+        </p:nvSpPr>
+        <p:spPr/>
+        <p:txBody>
+          <a:bodyPr/>
+          <a:lstStyle/>
+          <a:p>
+            <a:r>
+              <a:rPr lang="pt-BR" dirty="0"/>
+              <a:t>É hora de </a:t>
+            </a:r>
+            <a:r>
+              <a:rPr lang="pt-BR" dirty="0" err="1"/>
+              <a:t>codar</a:t>
+            </a:r>
+            <a:endParaRPr lang="pt-BR" dirty="0"/>
+          </a:p>
+        </p:txBody>
+      </p:sp>
+      <p:sp>
+        <p:nvSpPr>
+          <p:cNvPr id="3" name="Espaço Reservado para Texto 2">
+            <a:extLst>
+              <a:ext uri="{FF2B5EF4-FFF2-40B4-BE49-F238E27FC236}">
+                <a16:creationId xmlns:a16="http://schemas.microsoft.com/office/drawing/2014/main" id="{4B4F99FC-D7E5-413D-A335-A46E14F84AD4}"/>
+              </a:ext>
+            </a:extLst>
+          </p:cNvPr>
+          <p:cNvSpPr>
+            <a:spLocks noGrp="1"/>
+          </p:cNvSpPr>
+          <p:nvPr>
+            <p:ph type="body" idx="1"/>
+          </p:nvPr>
+        </p:nvSpPr>
+        <p:spPr/>
+        <p:txBody>
+          <a:bodyPr/>
+          <a:lstStyle/>
+          <a:p>
+            <a:r>
+              <a:rPr lang="pt-BR" dirty="0"/>
+              <a:t>Manualmente ou com IA (GITHUB </a:t>
+            </a:r>
+            <a:r>
+              <a:rPr lang="pt-BR" dirty="0" err="1"/>
+              <a:t>Copilot</a:t>
+            </a:r>
+            <a:r>
+              <a:rPr lang="pt-BR" dirty="0"/>
+              <a:t>)</a:t>
+            </a:r>
+          </a:p>
+        </p:txBody>
+      </p:sp>
+    </p:spTree>
+    <p:extLst>
+      <p:ext uri="{BB962C8B-B14F-4D97-AF65-F5344CB8AC3E}">
+        <p14:creationId xmlns:p14="http://schemas.microsoft.com/office/powerpoint/2010/main" val="3692590860"/>
+      </p:ext>
+    </p:extLst>
+  </p:cSld>
+  <p:clrMapOvr>
+    <a:masterClrMapping/>
+  </p:clrMapOvr>
+</p:sld>
+</file>
+
+<file path=ppt/slides/slide47.xml><?xml version="1.0" encoding="utf-8"?>
+<p:sld xmlns:a="http://schemas.openxmlformats.org/drawingml/2006/main" xmlns:r="http://schemas.openxmlformats.org/officeDocument/2006/relationships" xmlns:p="http://schemas.openxmlformats.org/presentationml/2006/main">
+  <p:cSld>
+    <p:spTree>
+      <p:nvGrpSpPr>
+        <p:cNvPr id="1" name=""/>
+        <p:cNvGrpSpPr/>
+        <p:nvPr/>
+      </p:nvGrpSpPr>
+      <p:grpSpPr>
+        <a:xfrm>
+          <a:off x="0" y="0"/>
+          <a:ext cx="0" cy="0"/>
+          <a:chOff x="0" y="0"/>
+          <a:chExt cx="0" cy="0"/>
+        </a:xfrm>
+      </p:grpSpPr>
       <p:pic>
         <p:nvPicPr>
           <p:cNvPr id="2" name="Imagem 1">
@@ -10148,7 +10786,7 @@
 </p:sld>
 </file>
 
-<file path=ppt/slides/slide46.xml><?xml version="1.0" encoding="utf-8"?>
+<file path=ppt/slides/slide48.xml><?xml version="1.0" encoding="utf-8"?>
 <p:sld xmlns:a="http://schemas.openxmlformats.org/drawingml/2006/main" xmlns:r="http://schemas.openxmlformats.org/officeDocument/2006/relationships" xmlns:p="http://schemas.openxmlformats.org/presentationml/2006/main">
   <p:cSld>
     <p:spTree>
@@ -10424,6 +11062,875 @@
     <p:extLst>
       <p:ext uri="{BB962C8B-B14F-4D97-AF65-F5344CB8AC3E}">
         <p14:creationId xmlns:p14="http://schemas.microsoft.com/office/powerpoint/2010/main" val="2841148144"/>
+      </p:ext>
+    </p:extLst>
+  </p:cSld>
+  <p:clrMapOvr>
+    <a:masterClrMapping/>
+  </p:clrMapOvr>
+</p:sld>
+</file>
+
+<file path=ppt/slides/slide49.xml><?xml version="1.0" encoding="utf-8"?>
+<p:sld xmlns:a="http://schemas.openxmlformats.org/drawingml/2006/main" xmlns:r="http://schemas.openxmlformats.org/officeDocument/2006/relationships" xmlns:p="http://schemas.openxmlformats.org/presentationml/2006/main">
+  <p:cSld>
+    <p:spTree>
+      <p:nvGrpSpPr>
+        <p:cNvPr id="1" name=""/>
+        <p:cNvGrpSpPr/>
+        <p:nvPr/>
+      </p:nvGrpSpPr>
+      <p:grpSpPr>
+        <a:xfrm>
+          <a:off x="0" y="0"/>
+          <a:ext cx="0" cy="0"/>
+          <a:chOff x="0" y="0"/>
+          <a:chExt cx="0" cy="0"/>
+        </a:xfrm>
+      </p:grpSpPr>
+      <p:sp>
+        <p:nvSpPr>
+          <p:cNvPr id="2" name="Retângulo 1">
+            <a:extLst>
+              <a:ext uri="{FF2B5EF4-FFF2-40B4-BE49-F238E27FC236}">
+                <a16:creationId xmlns:a16="http://schemas.microsoft.com/office/drawing/2014/main" id="{5E74EB89-ECDB-4B52-9027-292C7BF0B813}"/>
+              </a:ext>
+            </a:extLst>
+          </p:cNvPr>
+          <p:cNvSpPr/>
+          <p:nvPr/>
+        </p:nvSpPr>
+        <p:spPr>
+          <a:xfrm>
+            <a:off x="268448" y="1518407"/>
+            <a:ext cx="2592198" cy="4345498"/>
+          </a:xfrm>
+          <a:prstGeom prst="rect">
+            <a:avLst/>
+          </a:prstGeom>
+        </p:spPr>
+        <p:style>
+          <a:lnRef idx="2">
+            <a:schemeClr val="accent1">
+              <a:shade val="50000"/>
+            </a:schemeClr>
+          </a:lnRef>
+          <a:fillRef idx="1">
+            <a:schemeClr val="accent1"/>
+          </a:fillRef>
+          <a:effectRef idx="0">
+            <a:schemeClr val="accent1"/>
+          </a:effectRef>
+          <a:fontRef idx="minor">
+            <a:schemeClr val="lt1"/>
+          </a:fontRef>
+        </p:style>
+        <p:txBody>
+          <a:bodyPr rtlCol="0" anchor="ctr"/>
+          <a:lstStyle/>
+          <a:p>
+            <a:pPr algn="ctr"/>
+            <a:r>
+              <a:rPr lang="pt-BR" dirty="0"/>
+              <a:t>COLETA</a:t>
+            </a:r>
+          </a:p>
+        </p:txBody>
+      </p:sp>
+      <p:sp>
+        <p:nvSpPr>
+          <p:cNvPr id="3" name="Retângulo 2">
+            <a:extLst>
+              <a:ext uri="{FF2B5EF4-FFF2-40B4-BE49-F238E27FC236}">
+                <a16:creationId xmlns:a16="http://schemas.microsoft.com/office/drawing/2014/main" id="{B3B754C2-67B0-4194-B456-D04C01324E4B}"/>
+              </a:ext>
+            </a:extLst>
+          </p:cNvPr>
+          <p:cNvSpPr/>
+          <p:nvPr/>
+        </p:nvSpPr>
+        <p:spPr>
+          <a:xfrm>
+            <a:off x="3205993" y="1518407"/>
+            <a:ext cx="2592198" cy="4345498"/>
+          </a:xfrm>
+          <a:prstGeom prst="rect">
+            <a:avLst/>
+          </a:prstGeom>
+        </p:spPr>
+        <p:style>
+          <a:lnRef idx="2">
+            <a:schemeClr val="accent1">
+              <a:shade val="50000"/>
+            </a:schemeClr>
+          </a:lnRef>
+          <a:fillRef idx="1">
+            <a:schemeClr val="accent1"/>
+          </a:fillRef>
+          <a:effectRef idx="0">
+            <a:schemeClr val="accent1"/>
+          </a:effectRef>
+          <a:fontRef idx="minor">
+            <a:schemeClr val="lt1"/>
+          </a:fontRef>
+        </p:style>
+        <p:txBody>
+          <a:bodyPr rtlCol="0" anchor="ctr"/>
+          <a:lstStyle/>
+          <a:p>
+            <a:pPr algn="ctr"/>
+            <a:r>
+              <a:rPr lang="pt-BR" dirty="0"/>
+              <a:t>PRÉ-PROCESSAMENTO</a:t>
+            </a:r>
+          </a:p>
+        </p:txBody>
+      </p:sp>
+      <p:sp>
+        <p:nvSpPr>
+          <p:cNvPr id="4" name="Retângulo 3">
+            <a:extLst>
+              <a:ext uri="{FF2B5EF4-FFF2-40B4-BE49-F238E27FC236}">
+                <a16:creationId xmlns:a16="http://schemas.microsoft.com/office/drawing/2014/main" id="{E81CB131-273F-49BD-9982-F331543E415F}"/>
+              </a:ext>
+            </a:extLst>
+          </p:cNvPr>
+          <p:cNvSpPr/>
+          <p:nvPr/>
+        </p:nvSpPr>
+        <p:spPr>
+          <a:xfrm>
+            <a:off x="7029974" y="486561"/>
+            <a:ext cx="4345498" cy="2541865"/>
+          </a:xfrm>
+          <a:prstGeom prst="rect">
+            <a:avLst/>
+          </a:prstGeom>
+        </p:spPr>
+        <p:style>
+          <a:lnRef idx="2">
+            <a:schemeClr val="accent1">
+              <a:shade val="50000"/>
+            </a:schemeClr>
+          </a:lnRef>
+          <a:fillRef idx="1">
+            <a:schemeClr val="accent1"/>
+          </a:fillRef>
+          <a:effectRef idx="0">
+            <a:schemeClr val="accent1"/>
+          </a:effectRef>
+          <a:fontRef idx="minor">
+            <a:schemeClr val="lt1"/>
+          </a:fontRef>
+        </p:style>
+        <p:txBody>
+          <a:bodyPr rtlCol="0" anchor="ctr"/>
+          <a:lstStyle/>
+          <a:p>
+            <a:pPr algn="ctr"/>
+            <a:r>
+              <a:rPr lang="pt-BR" dirty="0"/>
+              <a:t>Inteligência Artificial</a:t>
+            </a:r>
+          </a:p>
+        </p:txBody>
+      </p:sp>
+      <p:sp>
+        <p:nvSpPr>
+          <p:cNvPr id="5" name="Retângulo 4">
+            <a:extLst>
+              <a:ext uri="{FF2B5EF4-FFF2-40B4-BE49-F238E27FC236}">
+                <a16:creationId xmlns:a16="http://schemas.microsoft.com/office/drawing/2014/main" id="{13306F87-6F3B-44DA-B0BC-C861D5472CB6}"/>
+              </a:ext>
+            </a:extLst>
+          </p:cNvPr>
+          <p:cNvSpPr/>
+          <p:nvPr/>
+        </p:nvSpPr>
+        <p:spPr>
+          <a:xfrm>
+            <a:off x="7029974" y="3691156"/>
+            <a:ext cx="4345498" cy="2541865"/>
+          </a:xfrm>
+          <a:prstGeom prst="rect">
+            <a:avLst/>
+          </a:prstGeom>
+        </p:spPr>
+        <p:style>
+          <a:lnRef idx="2">
+            <a:schemeClr val="accent1">
+              <a:shade val="50000"/>
+            </a:schemeClr>
+          </a:lnRef>
+          <a:fillRef idx="1">
+            <a:schemeClr val="accent1"/>
+          </a:fillRef>
+          <a:effectRef idx="0">
+            <a:schemeClr val="accent1"/>
+          </a:effectRef>
+          <a:fontRef idx="minor">
+            <a:schemeClr val="lt1"/>
+          </a:fontRef>
+        </p:style>
+        <p:txBody>
+          <a:bodyPr rtlCol="0" anchor="ctr"/>
+          <a:lstStyle/>
+          <a:p>
+            <a:pPr algn="ctr"/>
+            <a:r>
+              <a:rPr lang="pt-BR" dirty="0"/>
+              <a:t>DATA VISUALIZATION</a:t>
+            </a:r>
+          </a:p>
+        </p:txBody>
+      </p:sp>
+      <p:pic>
+        <p:nvPicPr>
+          <p:cNvPr id="6" name="Imagem 5">
+            <a:extLst>
+              <a:ext uri="{FF2B5EF4-FFF2-40B4-BE49-F238E27FC236}">
+                <a16:creationId xmlns:a16="http://schemas.microsoft.com/office/drawing/2014/main" id="{2BF601F3-39F8-497E-82E1-BD2C1BC2EDF4}"/>
+              </a:ext>
+            </a:extLst>
+          </p:cNvPr>
+          <p:cNvPicPr>
+            <a:picLocks noChangeAspect="1"/>
+          </p:cNvPicPr>
+          <p:nvPr/>
+        </p:nvPicPr>
+        <p:blipFill>
+          <a:blip r:embed="rId2"/>
+          <a:stretch>
+            <a:fillRect/>
+          </a:stretch>
+        </p:blipFill>
+        <p:spPr>
+          <a:xfrm>
+            <a:off x="883794" y="1837189"/>
+            <a:ext cx="1459574" cy="1465976"/>
+          </a:xfrm>
+          <a:prstGeom prst="rect">
+            <a:avLst/>
+          </a:prstGeom>
+        </p:spPr>
+      </p:pic>
+      <p:pic>
+        <p:nvPicPr>
+          <p:cNvPr id="8" name="Imagem 7">
+            <a:extLst>
+              <a:ext uri="{FF2B5EF4-FFF2-40B4-BE49-F238E27FC236}">
+                <a16:creationId xmlns:a16="http://schemas.microsoft.com/office/drawing/2014/main" id="{385C92DA-47C1-4769-9C86-D41EF9D4A5A9}"/>
+              </a:ext>
+            </a:extLst>
+          </p:cNvPr>
+          <p:cNvPicPr>
+            <a:picLocks noChangeAspect="1"/>
+          </p:cNvPicPr>
+          <p:nvPr/>
+        </p:nvPicPr>
+        <p:blipFill>
+          <a:blip r:embed="rId3"/>
+          <a:stretch>
+            <a:fillRect/>
+          </a:stretch>
+        </p:blipFill>
+        <p:spPr>
+          <a:xfrm>
+            <a:off x="3383833" y="2122415"/>
+            <a:ext cx="2236518" cy="906011"/>
+          </a:xfrm>
+          <a:prstGeom prst="rect">
+            <a:avLst/>
+          </a:prstGeom>
+        </p:spPr>
+      </p:pic>
+      <p:sp>
+        <p:nvSpPr>
+          <p:cNvPr id="9" name="CaixaDeTexto 8">
+            <a:extLst>
+              <a:ext uri="{FF2B5EF4-FFF2-40B4-BE49-F238E27FC236}">
+                <a16:creationId xmlns:a16="http://schemas.microsoft.com/office/drawing/2014/main" id="{E61F093A-B563-4B0F-A057-D34A24E60F23}"/>
+              </a:ext>
+            </a:extLst>
+          </p:cNvPr>
+          <p:cNvSpPr txBox="1"/>
+          <p:nvPr/>
+        </p:nvSpPr>
+        <p:spPr>
+          <a:xfrm>
+            <a:off x="3895996" y="4437776"/>
+            <a:ext cx="1212191" cy="646331"/>
+          </a:xfrm>
+          <a:prstGeom prst="rect">
+            <a:avLst/>
+          </a:prstGeom>
+        </p:spPr>
+        <p:style>
+          <a:lnRef idx="2">
+            <a:schemeClr val="dk1">
+              <a:shade val="50000"/>
+            </a:schemeClr>
+          </a:lnRef>
+          <a:fillRef idx="1">
+            <a:schemeClr val="dk1"/>
+          </a:fillRef>
+          <a:effectRef idx="0">
+            <a:schemeClr val="dk1"/>
+          </a:effectRef>
+          <a:fontRef idx="minor">
+            <a:schemeClr val="lt1"/>
+          </a:fontRef>
+        </p:style>
+        <p:txBody>
+          <a:bodyPr wrap="none" rtlCol="0">
+            <a:spAutoFit/>
+          </a:bodyPr>
+          <a:lstStyle/>
+          <a:p>
+            <a:r>
+              <a:rPr lang="pt-BR" dirty="0" err="1"/>
+              <a:t>df.drop</a:t>
+            </a:r>
+            <a:r>
+              <a:rPr lang="pt-BR" dirty="0"/>
+              <a:t>( )</a:t>
+            </a:r>
+          </a:p>
+          <a:p>
+            <a:r>
+              <a:rPr lang="pt-BR" dirty="0" err="1"/>
+              <a:t>df.sum</a:t>
+            </a:r>
+            <a:r>
+              <a:rPr lang="pt-BR" dirty="0"/>
+              <a:t>( )</a:t>
+            </a:r>
+          </a:p>
+        </p:txBody>
+      </p:sp>
+      <p:cxnSp>
+        <p:nvCxnSpPr>
+          <p:cNvPr id="11" name="Conector de Seta Reta 10">
+            <a:extLst>
+              <a:ext uri="{FF2B5EF4-FFF2-40B4-BE49-F238E27FC236}">
+                <a16:creationId xmlns:a16="http://schemas.microsoft.com/office/drawing/2014/main" id="{4EFC94B7-9838-4D8F-9564-D1FF094D38D4}"/>
+              </a:ext>
+            </a:extLst>
+          </p:cNvPr>
+          <p:cNvCxnSpPr/>
+          <p:nvPr/>
+        </p:nvCxnSpPr>
+        <p:spPr>
+          <a:xfrm flipV="1">
+            <a:off x="5964572" y="1837189"/>
+            <a:ext cx="788566" cy="494950"/>
+          </a:xfrm>
+          <a:prstGeom prst="straightConnector1">
+            <a:avLst/>
+          </a:prstGeom>
+          <a:ln w="76200">
+            <a:tailEnd type="triangle"/>
+          </a:ln>
+        </p:spPr>
+        <p:style>
+          <a:lnRef idx="1">
+            <a:schemeClr val="accent1"/>
+          </a:lnRef>
+          <a:fillRef idx="0">
+            <a:schemeClr val="accent1"/>
+          </a:fillRef>
+          <a:effectRef idx="0">
+            <a:schemeClr val="accent1"/>
+          </a:effectRef>
+          <a:fontRef idx="minor">
+            <a:schemeClr val="tx1"/>
+          </a:fontRef>
+        </p:style>
+      </p:cxnSp>
+      <p:cxnSp>
+        <p:nvCxnSpPr>
+          <p:cNvPr id="12" name="Conector de Seta Reta 11">
+            <a:extLst>
+              <a:ext uri="{FF2B5EF4-FFF2-40B4-BE49-F238E27FC236}">
+                <a16:creationId xmlns:a16="http://schemas.microsoft.com/office/drawing/2014/main" id="{FDFA76D0-36B4-41B3-91EA-B4335E99F1A6}"/>
+              </a:ext>
+            </a:extLst>
+          </p:cNvPr>
+          <p:cNvCxnSpPr>
+            <a:cxnSpLocks/>
+          </p:cNvCxnSpPr>
+          <p:nvPr/>
+        </p:nvCxnSpPr>
+        <p:spPr>
+          <a:xfrm>
+            <a:off x="5964572" y="4605556"/>
+            <a:ext cx="1020099" cy="335371"/>
+          </a:xfrm>
+          <a:prstGeom prst="straightConnector1">
+            <a:avLst/>
+          </a:prstGeom>
+          <a:ln w="76200">
+            <a:tailEnd type="triangle"/>
+          </a:ln>
+        </p:spPr>
+        <p:style>
+          <a:lnRef idx="1">
+            <a:schemeClr val="accent1"/>
+          </a:lnRef>
+          <a:fillRef idx="0">
+            <a:schemeClr val="accent1"/>
+          </a:fillRef>
+          <a:effectRef idx="0">
+            <a:schemeClr val="accent1"/>
+          </a:effectRef>
+          <a:fontRef idx="minor">
+            <a:schemeClr val="tx1"/>
+          </a:fontRef>
+        </p:style>
+      </p:cxnSp>
+      <p:sp>
+        <p:nvSpPr>
+          <p:cNvPr id="16" name="CaixaDeTexto 15">
+            <a:extLst>
+              <a:ext uri="{FF2B5EF4-FFF2-40B4-BE49-F238E27FC236}">
+                <a16:creationId xmlns:a16="http://schemas.microsoft.com/office/drawing/2014/main" id="{4259A28B-E742-4EAF-B296-3473D8D82909}"/>
+              </a:ext>
+            </a:extLst>
+          </p:cNvPr>
+          <p:cNvSpPr txBox="1"/>
+          <p:nvPr/>
+        </p:nvSpPr>
+        <p:spPr>
+          <a:xfrm>
+            <a:off x="7350966" y="3807926"/>
+            <a:ext cx="3703514" cy="2308324"/>
+          </a:xfrm>
+          <a:prstGeom prst="rect">
+            <a:avLst/>
+          </a:prstGeom>
+        </p:spPr>
+        <p:style>
+          <a:lnRef idx="1">
+            <a:schemeClr val="dk1"/>
+          </a:lnRef>
+          <a:fillRef idx="3">
+            <a:schemeClr val="dk1"/>
+          </a:fillRef>
+          <a:effectRef idx="2">
+            <a:schemeClr val="dk1"/>
+          </a:effectRef>
+          <a:fontRef idx="minor">
+            <a:schemeClr val="lt1"/>
+          </a:fontRef>
+        </p:style>
+        <p:txBody>
+          <a:bodyPr wrap="square" rtlCol="0">
+            <a:spAutoFit/>
+          </a:bodyPr>
+          <a:lstStyle/>
+          <a:p>
+            <a:r>
+              <a:rPr lang="pt-BR" dirty="0"/>
+              <a:t>Barra Horizontal</a:t>
+            </a:r>
+          </a:p>
+          <a:p>
+            <a:r>
+              <a:rPr lang="pt-BR" dirty="0"/>
+              <a:t>Linha</a:t>
+            </a:r>
+          </a:p>
+          <a:p>
+            <a:r>
+              <a:rPr lang="pt-BR" dirty="0"/>
+              <a:t>Dispersão</a:t>
+            </a:r>
+          </a:p>
+          <a:p>
+            <a:r>
+              <a:rPr lang="pt-BR" dirty="0"/>
+              <a:t>Pizza</a:t>
+            </a:r>
+          </a:p>
+          <a:p>
+            <a:r>
+              <a:rPr lang="pt-BR" dirty="0" err="1"/>
+              <a:t>Boxplot</a:t>
+            </a:r>
+            <a:endParaRPr lang="pt-BR" dirty="0"/>
+          </a:p>
+          <a:p>
+            <a:r>
+              <a:rPr lang="pt-BR" dirty="0"/>
+              <a:t>Histograma</a:t>
+            </a:r>
+          </a:p>
+          <a:p>
+            <a:r>
+              <a:rPr lang="pt-BR" dirty="0"/>
+              <a:t>Gráfico como figura</a:t>
+            </a:r>
+          </a:p>
+          <a:p>
+            <a:r>
+              <a:rPr lang="pt-BR" dirty="0" err="1"/>
+              <a:t>Subplot</a:t>
+            </a:r>
+            <a:r>
+              <a:rPr lang="pt-BR" dirty="0"/>
+              <a:t>( )</a:t>
+            </a:r>
+          </a:p>
+        </p:txBody>
+      </p:sp>
+      <p:sp>
+        <p:nvSpPr>
+          <p:cNvPr id="17" name="Retângulo 16">
+            <a:extLst>
+              <a:ext uri="{FF2B5EF4-FFF2-40B4-BE49-F238E27FC236}">
+                <a16:creationId xmlns:a16="http://schemas.microsoft.com/office/drawing/2014/main" id="{51FFBA4D-D727-4369-8FD6-38F4CFC765A0}"/>
+              </a:ext>
+            </a:extLst>
+          </p:cNvPr>
+          <p:cNvSpPr/>
+          <p:nvPr/>
+        </p:nvSpPr>
+        <p:spPr>
+          <a:xfrm>
+            <a:off x="8482942" y="4530055"/>
+            <a:ext cx="2414357" cy="615553"/>
+          </a:xfrm>
+          <a:prstGeom prst="rect">
+            <a:avLst/>
+          </a:prstGeom>
+        </p:spPr>
+        <p:style>
+          <a:lnRef idx="2">
+            <a:schemeClr val="accent1">
+              <a:shade val="50000"/>
+            </a:schemeClr>
+          </a:lnRef>
+          <a:fillRef idx="1">
+            <a:schemeClr val="accent1"/>
+          </a:fillRef>
+          <a:effectRef idx="0">
+            <a:schemeClr val="accent1"/>
+          </a:effectRef>
+          <a:fontRef idx="minor">
+            <a:schemeClr val="lt1"/>
+          </a:fontRef>
+        </p:style>
+        <p:txBody>
+          <a:bodyPr wrap="square" lIns="91440" tIns="45720" rIns="91440" bIns="45720">
+            <a:spAutoFit/>
+          </a:bodyPr>
+          <a:lstStyle/>
+          <a:p>
+            <a:pPr algn="ctr"/>
+            <a:r>
+              <a:rPr lang="pt-BR" sz="3400" b="1" cap="none" spc="0" dirty="0">
+                <a:ln w="12700" cmpd="sng">
+                  <a:solidFill>
+                    <a:schemeClr val="accent4"/>
+                  </a:solidFill>
+                  <a:prstDash val="solid"/>
+                </a:ln>
+                <a:gradFill>
+                  <a:gsLst>
+                    <a:gs pos="0">
+                      <a:schemeClr val="accent4"/>
+                    </a:gs>
+                    <a:gs pos="4000">
+                      <a:schemeClr val="accent4">
+                        <a:lumMod val="60000"/>
+                        <a:lumOff val="40000"/>
+                      </a:schemeClr>
+                    </a:gs>
+                    <a:gs pos="87000">
+                      <a:schemeClr val="accent4">
+                        <a:lumMod val="20000"/>
+                        <a:lumOff val="80000"/>
+                      </a:schemeClr>
+                    </a:gs>
+                  </a:gsLst>
+                  <a:lin ang="5400000"/>
+                </a:gradFill>
+                <a:effectLst/>
+              </a:rPr>
+              <a:t>Gráficos</a:t>
+            </a:r>
+          </a:p>
+        </p:txBody>
+      </p:sp>
+      <p:pic>
+        <p:nvPicPr>
+          <p:cNvPr id="7" name="Imagem 6">
+            <a:extLst>
+              <a:ext uri="{FF2B5EF4-FFF2-40B4-BE49-F238E27FC236}">
+                <a16:creationId xmlns:a16="http://schemas.microsoft.com/office/drawing/2014/main" id="{204AC63C-3010-408C-A59C-9331B59EC19C}"/>
+              </a:ext>
+            </a:extLst>
+          </p:cNvPr>
+          <p:cNvPicPr>
+            <a:picLocks noChangeAspect="1"/>
+          </p:cNvPicPr>
+          <p:nvPr/>
+        </p:nvPicPr>
+        <p:blipFill>
+          <a:blip r:embed="rId4"/>
+          <a:stretch>
+            <a:fillRect/>
+          </a:stretch>
+        </p:blipFill>
+        <p:spPr>
+          <a:xfrm>
+            <a:off x="7297936" y="2076686"/>
+            <a:ext cx="1924441" cy="790538"/>
+          </a:xfrm>
+          <a:prstGeom prst="rect">
+            <a:avLst/>
+          </a:prstGeom>
+        </p:spPr>
+      </p:pic>
+      <p:pic>
+        <p:nvPicPr>
+          <p:cNvPr id="10" name="Imagem 9">
+            <a:extLst>
+              <a:ext uri="{FF2B5EF4-FFF2-40B4-BE49-F238E27FC236}">
+                <a16:creationId xmlns:a16="http://schemas.microsoft.com/office/drawing/2014/main" id="{FFA06D0D-657E-41A3-8DC3-1A40D1993B7A}"/>
+              </a:ext>
+            </a:extLst>
+          </p:cNvPr>
+          <p:cNvPicPr>
+            <a:picLocks noChangeAspect="1"/>
+          </p:cNvPicPr>
+          <p:nvPr/>
+        </p:nvPicPr>
+        <p:blipFill>
+          <a:blip r:embed="rId5"/>
+          <a:stretch>
+            <a:fillRect/>
+          </a:stretch>
+        </p:blipFill>
+        <p:spPr>
+          <a:xfrm>
+            <a:off x="9321078" y="2079161"/>
+            <a:ext cx="1601388" cy="784994"/>
+          </a:xfrm>
+          <a:prstGeom prst="rect">
+            <a:avLst/>
+          </a:prstGeom>
+        </p:spPr>
+      </p:pic>
+      <p:sp>
+        <p:nvSpPr>
+          <p:cNvPr id="13" name="CaixaDeTexto 12">
+            <a:extLst>
+              <a:ext uri="{FF2B5EF4-FFF2-40B4-BE49-F238E27FC236}">
+                <a16:creationId xmlns:a16="http://schemas.microsoft.com/office/drawing/2014/main" id="{C11A73C1-D928-4E8E-8D91-636C5B592DDE}"/>
+              </a:ext>
+            </a:extLst>
+          </p:cNvPr>
+          <p:cNvSpPr txBox="1"/>
+          <p:nvPr/>
+        </p:nvSpPr>
+        <p:spPr>
+          <a:xfrm>
+            <a:off x="348343" y="339634"/>
+            <a:ext cx="5602368" cy="646331"/>
+          </a:xfrm>
+          <a:prstGeom prst="rect">
+            <a:avLst/>
+          </a:prstGeom>
+          <a:noFill/>
+        </p:spPr>
+        <p:txBody>
+          <a:bodyPr wrap="none" rtlCol="0">
+            <a:spAutoFit/>
+          </a:bodyPr>
+          <a:lstStyle/>
+          <a:p>
+            <a:r>
+              <a:rPr lang="pt-BR" dirty="0"/>
+              <a:t>Entregar para um gráfico de linha sobre imigração </a:t>
+            </a:r>
+          </a:p>
+          <a:p>
+            <a:r>
+              <a:rPr lang="pt-BR" dirty="0"/>
+              <a:t>de brasileiros para o Canadá</a:t>
+            </a:r>
+          </a:p>
+        </p:txBody>
+      </p:sp>
+      <p:sp>
+        <p:nvSpPr>
+          <p:cNvPr id="14" name="CaixaDeTexto 13">
+            <a:extLst>
+              <a:ext uri="{FF2B5EF4-FFF2-40B4-BE49-F238E27FC236}">
+                <a16:creationId xmlns:a16="http://schemas.microsoft.com/office/drawing/2014/main" id="{C663D621-B331-4A3A-AD9C-C9A9FDEA3F3C}"/>
+              </a:ext>
+            </a:extLst>
+          </p:cNvPr>
+          <p:cNvSpPr txBox="1"/>
+          <p:nvPr/>
+        </p:nvSpPr>
+        <p:spPr>
+          <a:xfrm>
+            <a:off x="348343" y="117229"/>
+            <a:ext cx="1441420" cy="369332"/>
+          </a:xfrm>
+          <a:prstGeom prst="rect">
+            <a:avLst/>
+          </a:prstGeom>
+          <a:noFill/>
+        </p:spPr>
+        <p:txBody>
+          <a:bodyPr wrap="none" rtlCol="0">
+            <a:spAutoFit/>
+          </a:bodyPr>
+          <a:lstStyle/>
+          <a:p>
+            <a:r>
+              <a:rPr lang="pt-BR" dirty="0">
+                <a:solidFill>
+                  <a:srgbClr val="FF0000"/>
+                </a:solidFill>
+              </a:rPr>
+              <a:t>ENTREGA 1</a:t>
+            </a:r>
+          </a:p>
+        </p:txBody>
+      </p:sp>
+      <p:sp>
+        <p:nvSpPr>
+          <p:cNvPr id="18" name="CaixaDeTexto 17">
+            <a:extLst>
+              <a:ext uri="{FF2B5EF4-FFF2-40B4-BE49-F238E27FC236}">
+                <a16:creationId xmlns:a16="http://schemas.microsoft.com/office/drawing/2014/main" id="{F129A33F-40A2-41D0-95DF-7393447C31E2}"/>
+              </a:ext>
+            </a:extLst>
+          </p:cNvPr>
+          <p:cNvSpPr txBox="1"/>
+          <p:nvPr/>
+        </p:nvSpPr>
+        <p:spPr>
+          <a:xfrm>
+            <a:off x="268448" y="1237160"/>
+            <a:ext cx="5514779" cy="369332"/>
+          </a:xfrm>
+          <a:prstGeom prst="rect">
+            <a:avLst/>
+          </a:prstGeom>
+          <a:noFill/>
+        </p:spPr>
+        <p:txBody>
+          <a:bodyPr wrap="none" rtlCol="0">
+            <a:spAutoFit/>
+          </a:bodyPr>
+          <a:lstStyle/>
+          <a:p>
+            <a:r>
+              <a:rPr lang="pt-BR" dirty="0"/>
+              <a:t>Entregar para os alunos a música personalizada IA</a:t>
+            </a:r>
+          </a:p>
+        </p:txBody>
+      </p:sp>
+      <p:sp>
+        <p:nvSpPr>
+          <p:cNvPr id="19" name="CaixaDeTexto 18">
+            <a:extLst>
+              <a:ext uri="{FF2B5EF4-FFF2-40B4-BE49-F238E27FC236}">
+                <a16:creationId xmlns:a16="http://schemas.microsoft.com/office/drawing/2014/main" id="{5CF88D00-8F69-4B51-A1F6-F1C3CAB67FE9}"/>
+              </a:ext>
+            </a:extLst>
+          </p:cNvPr>
+          <p:cNvSpPr txBox="1"/>
+          <p:nvPr/>
+        </p:nvSpPr>
+        <p:spPr>
+          <a:xfrm>
+            <a:off x="348343" y="977812"/>
+            <a:ext cx="1441420" cy="369332"/>
+          </a:xfrm>
+          <a:prstGeom prst="rect">
+            <a:avLst/>
+          </a:prstGeom>
+          <a:noFill/>
+        </p:spPr>
+        <p:txBody>
+          <a:bodyPr wrap="none" rtlCol="0">
+            <a:spAutoFit/>
+          </a:bodyPr>
+          <a:lstStyle/>
+          <a:p>
+            <a:r>
+              <a:rPr lang="pt-BR" dirty="0">
+                <a:solidFill>
+                  <a:srgbClr val="FF0000"/>
+                </a:solidFill>
+              </a:rPr>
+              <a:t>ENTREGA 2</a:t>
+            </a:r>
+          </a:p>
+        </p:txBody>
+      </p:sp>
+      <p:sp>
+        <p:nvSpPr>
+          <p:cNvPr id="20" name="CaixaDeTexto 19">
+            <a:extLst>
+              <a:ext uri="{FF2B5EF4-FFF2-40B4-BE49-F238E27FC236}">
+                <a16:creationId xmlns:a16="http://schemas.microsoft.com/office/drawing/2014/main" id="{F1B0B5A4-4193-467D-9FFA-CF03CB986874}"/>
+              </a:ext>
+            </a:extLst>
+          </p:cNvPr>
+          <p:cNvSpPr txBox="1"/>
+          <p:nvPr/>
+        </p:nvSpPr>
+        <p:spPr>
+          <a:xfrm>
+            <a:off x="268448" y="6238867"/>
+            <a:ext cx="7029488" cy="369332"/>
+          </a:xfrm>
+          <a:prstGeom prst="rect">
+            <a:avLst/>
+          </a:prstGeom>
+          <a:noFill/>
+        </p:spPr>
+        <p:txBody>
+          <a:bodyPr wrap="none" rtlCol="0">
+            <a:spAutoFit/>
+          </a:bodyPr>
+          <a:lstStyle/>
+          <a:p>
+            <a:r>
+              <a:rPr lang="pt-BR" b="1" dirty="0" err="1">
+                <a:solidFill>
+                  <a:srgbClr val="FF0000"/>
+                </a:solidFill>
+              </a:rPr>
+              <a:t>Softskills</a:t>
+            </a:r>
+            <a:r>
+              <a:rPr lang="pt-BR" b="1" dirty="0">
+                <a:solidFill>
+                  <a:srgbClr val="FF0000"/>
+                </a:solidFill>
+              </a:rPr>
+              <a:t>: </a:t>
+            </a:r>
+            <a:r>
+              <a:rPr lang="pt-BR" dirty="0"/>
+              <a:t>empatia, trabalho em equipe, liderança e negociação.</a:t>
+            </a:r>
+          </a:p>
+        </p:txBody>
+      </p:sp>
+    </p:spTree>
+    <p:extLst>
+      <p:ext uri="{BB962C8B-B14F-4D97-AF65-F5344CB8AC3E}">
+        <p14:creationId xmlns:p14="http://schemas.microsoft.com/office/powerpoint/2010/main" val="706900190"/>
       </p:ext>
     </p:extLst>
   </p:cSld>
